--- a/Solar Power Prediction/Predicting Solar Power using Linear Regression.pptx
+++ b/Solar Power Prediction/Predicting Solar Power using Linear Regression.pptx
@@ -1705,8 +1705,8 @@
         </p:nvSpPr>
         <p:spPr>
           <a:xfrm>
-            <a:off x="340468" y="1692613"/>
-            <a:ext cx="9484468" cy="1323439"/>
+            <a:off x="340467" y="1692613"/>
+            <a:ext cx="10885251" cy="2262671"/>
           </a:xfrm>
           <a:prstGeom prst="rect">
             <a:avLst/>
@@ -1719,9 +1719,14 @@
           </a:bodyPr>
           <a:lstStyle/>
           <a:p>
+            <a:pPr algn="just">
+              <a:lnSpc>
+                <a:spcPct val="150000"/>
+              </a:lnSpc>
+            </a:pPr>
             <a:r>
               <a:rPr lang="en-US" sz="1600" dirty="0"/>
-              <a:t>From the mean absolute error of the predicted and real value of generated power, we can conclude that by using Linear Regression, it was a successful training of the machine and it is able to predict close to the actual value which can be used to find out the possible power generated in a particular area with reference to the twenty other factors and data collected in that region and make decisions to find out how much power can be generated from that location.</a:t>
+              <a:t>the linear regression model used to predict solar power generation has shown fairly consistent performance, with the Mean Absolute Error (MAE) for the test set being 391.79 and for the training set being 392.42. The slight difference in MAE between the two sets suggests that the model is generalizing well, without significant overfitting or underfitting. Although the MAE values indicate an average prediction error of around 391.8 units, there is room for improvement in model accuracy, possibly through feature engineering, parameter tuning, or exploring more advanced machine learning techniques.</a:t>
             </a:r>
             <a:endParaRPr lang="en-IN" sz="1600" dirty="0"/>
           </a:p>
@@ -2035,7 +2040,7 @@
         <p:spPr>
           <a:xfrm>
             <a:off x="307910" y="1604865"/>
-            <a:ext cx="6074229" cy="1528945"/>
+            <a:ext cx="6074229" cy="3395866"/>
           </a:xfrm>
           <a:prstGeom prst="rect">
             <a:avLst/>
@@ -2049,9 +2054,61 @@
           <a:lstStyle/>
           <a:p>
             <a:r>
-              <a:rPr lang="en-US" dirty="0"/>
-              <a:t>In this project, we are going to learn about how the energy generated by solar panels depends on various environmental factors and the difference between the predicted and actual values of the power generated which will be done with the help of Machine Learning.</a:t>
-            </a:r>
+              <a:rPr lang="en-US" sz="1400" dirty="0"/>
+              <a:t>The objective of this project is to understand and apply linear regression techniques to predict solar power generation based on historical data. By the end of this project, learners should be able to:</a:t>
+            </a:r>
+          </a:p>
+          <a:p>
+            <a:pPr marL="174625" indent="-174625">
+              <a:buFont typeface="+mj-lt"/>
+              <a:buAutoNum type="arabicPeriod"/>
+            </a:pPr>
+            <a:r>
+              <a:rPr lang="en-US" sz="1400" dirty="0"/>
+              <a:t>Develop a linear regression model to predict solar power generation from relevant features such as time of day, weather conditions, and historical power data.</a:t>
+            </a:r>
+          </a:p>
+          <a:p>
+            <a:pPr marL="174625" indent="-174625">
+              <a:buFont typeface="+mj-lt"/>
+              <a:buAutoNum type="arabicPeriod"/>
+            </a:pPr>
+            <a:r>
+              <a:rPr lang="en-US" sz="1400" dirty="0"/>
+              <a:t>Evaluate model performance using error metrics like Mean Absolute Error (MAE) and understand the implications of prediction accuracy.</a:t>
+            </a:r>
+          </a:p>
+          <a:p>
+            <a:pPr marL="174625" indent="-174625">
+              <a:buFont typeface="+mj-lt"/>
+              <a:buAutoNum type="arabicPeriod"/>
+            </a:pPr>
+            <a:r>
+              <a:rPr lang="en-US" sz="1400" dirty="0"/>
+              <a:t>Analyze the impact of data preprocessing, feature selection, and model evaluation on prediction quality.</a:t>
+            </a:r>
+          </a:p>
+          <a:p>
+            <a:pPr marL="174625" indent="-174625">
+              <a:buFont typeface="+mj-lt"/>
+              <a:buAutoNum type="arabicPeriod"/>
+            </a:pPr>
+            <a:r>
+              <a:rPr lang="en-US" sz="1400" dirty="0"/>
+              <a:t>Gain hands-on experience with machine learning concepts, including data splitting, training and testing, and model generalization.</a:t>
+            </a:r>
+          </a:p>
+          <a:p>
+            <a:pPr marL="174625" indent="-174625">
+              <a:buFont typeface="+mj-lt"/>
+              <a:buAutoNum type="arabicPeriod"/>
+            </a:pPr>
+            <a:r>
+              <a:rPr lang="en-US" sz="1400" dirty="0"/>
+              <a:t>Understand the practical applications of predictive models in renewable energy systems and their role in optimizing energy usage.</a:t>
+            </a:r>
+          </a:p>
+          <a:p>
             <a:endParaRPr lang="en-IN" dirty="0"/>
           </a:p>
         </p:txBody>
@@ -2093,36 +2150,6 @@
           </a:p>
         </p:txBody>
       </p:sp>
-      <p:pic>
-        <p:nvPicPr>
-          <p:cNvPr id="12" name="Picture 11">
-            <a:extLst>
-              <a:ext uri="{FF2B5EF4-FFF2-40B4-BE49-F238E27FC236}">
-                <a16:creationId xmlns:a16="http://schemas.microsoft.com/office/drawing/2014/main" id="{2B526BF1-C7FB-3CA6-86F6-D91F699E052F}"/>
-              </a:ext>
-            </a:extLst>
-          </p:cNvPr>
-          <p:cNvPicPr>
-            <a:picLocks noChangeAspect="1"/>
-          </p:cNvPicPr>
-          <p:nvPr/>
-        </p:nvPicPr>
-        <p:blipFill>
-          <a:blip r:embed="rId4"/>
-          <a:stretch>
-            <a:fillRect/>
-          </a:stretch>
-        </p:blipFill>
-        <p:spPr>
-          <a:xfrm>
-            <a:off x="1801704" y="3526546"/>
-            <a:ext cx="2202449" cy="2202449"/>
-          </a:xfrm>
-          <a:prstGeom prst="rect">
-            <a:avLst/>
-          </a:prstGeom>
-        </p:spPr>
-      </p:pic>
     </p:spTree>
     <p:extLst>
       <p:ext uri="{BB962C8B-B14F-4D97-AF65-F5344CB8AC3E}">
@@ -2504,96 +2531,361 @@
       </p:sp>
       <p:sp>
         <p:nvSpPr>
-          <p:cNvPr id="2" name="TextBox 1">
-            <a:extLst>
-              <a:ext uri="{FF2B5EF4-FFF2-40B4-BE49-F238E27FC236}">
-                <a16:creationId xmlns:a16="http://schemas.microsoft.com/office/drawing/2014/main" id="{44CFFAED-740D-B0DF-EFAA-855326F8AE28}"/>
-              </a:ext>
-            </a:extLst>
-          </p:cNvPr>
-          <p:cNvSpPr txBox="1"/>
+          <p:cNvPr id="6" name="Rectangle 3">
+            <a:extLst>
+              <a:ext uri="{FF2B5EF4-FFF2-40B4-BE49-F238E27FC236}">
+                <a16:creationId xmlns:a16="http://schemas.microsoft.com/office/drawing/2014/main" id="{B8F28552-AFEB-CE51-01A0-A36D2F80AFC4}"/>
+              </a:ext>
+            </a:extLst>
+          </p:cNvPr>
+          <p:cNvSpPr>
+            <a:spLocks noChangeArrowheads="1"/>
+          </p:cNvSpPr>
           <p:nvPr/>
         </p:nvSpPr>
-        <p:spPr>
-          <a:xfrm>
-            <a:off x="268356" y="1660849"/>
-            <a:ext cx="9071587" cy="3252878"/>
+        <p:spPr bwMode="auto">
+          <a:xfrm rot="10800000" flipV="1">
+            <a:off x="136187" y="1619333"/>
+            <a:ext cx="11352179" cy="4062651"/>
           </a:xfrm>
           <a:prstGeom prst="rect">
             <a:avLst/>
           </a:prstGeom>
           <a:noFill/>
+          <a:ln>
+            <a:noFill/>
+          </a:ln>
+          <a:effectLst/>
+          <a:extLst>
+            <a:ext uri="{909E8E84-426E-40DD-AFC4-6F175D3DCCD1}">
+              <a14:hiddenFill xmlns:a14="http://schemas.microsoft.com/office/drawing/2010/main">
+                <a:solidFill>
+                  <a:schemeClr val="accent1"/>
+                </a:solidFill>
+              </a14:hiddenFill>
+            </a:ext>
+            <a:ext uri="{91240B29-F687-4F45-9708-019B960494DF}">
+              <a14:hiddenLine xmlns:a14="http://schemas.microsoft.com/office/drawing/2010/main" w="9525">
+                <a:solidFill>
+                  <a:schemeClr val="tx1"/>
+                </a:solidFill>
+                <a:miter lim="800000"/>
+                <a:headEnd/>
+                <a:tailEnd/>
+              </a14:hiddenLine>
+            </a:ext>
+            <a:ext uri="{AF507438-7753-43E0-B8FC-AC1667EBCBE1}">
+              <a14:hiddenEffects xmlns:a14="http://schemas.microsoft.com/office/drawing/2010/main">
+                <a:effectLst>
+                  <a:outerShdw dist="35921" dir="2700000" algn="ctr" rotWithShape="0">
+                    <a:schemeClr val="bg2"/>
+                  </a:outerShdw>
+                </a:effectLst>
+              </a14:hiddenEffects>
+            </a:ext>
+          </a:extLst>
         </p:spPr>
         <p:txBody>
-          <a:bodyPr wrap="square" rtlCol="0">
+          <a:bodyPr vert="horz" wrap="square" lIns="91440" tIns="45720" rIns="91440" bIns="45720" numCol="1" anchor="ctr" anchorCtr="0" compatLnSpc="1">
+            <a:prstTxWarp prst="textNoShape">
+              <a:avLst/>
+            </a:prstTxWarp>
             <a:spAutoFit/>
           </a:bodyPr>
           <a:lstStyle/>
           <a:p>
-            <a:pPr marL="342900" indent="-342900">
-              <a:buFont typeface="Arial" panose="020B0604020202020204" pitchFamily="34" charset="0"/>
+            <a:pPr marL="273050" marR="0" lvl="0" indent="-273050" defTabSz="914400" rtl="0" eaLnBrk="0" fontAlgn="base" latinLnBrk="0" hangingPunct="0">
+              <a:lnSpc>
+                <a:spcPct val="150000"/>
+              </a:lnSpc>
+              <a:spcBef>
+                <a:spcPct val="0"/>
+              </a:spcBef>
+              <a:spcAft>
+                <a:spcPct val="0"/>
+              </a:spcAft>
+              <a:buClrTx/>
+              <a:buSzTx/>
+              <a:buFontTx/>
               <a:buChar char="•"/>
             </a:pPr>
             <a:r>
-              <a:rPr lang="en-US" dirty="0"/>
-              <a:t>Looking and understanding the datasets with the data collected over time</a:t>
-            </a:r>
-            <a:br>
-              <a:rPr lang="en-US" dirty="0"/>
-            </a:br>
-            <a:endParaRPr lang="en-US" dirty="0"/>
-          </a:p>
-          <a:p>
-            <a:pPr marL="342900" indent="-342900">
-              <a:buFont typeface="Arial" panose="020B0604020202020204" pitchFamily="34" charset="0"/>
+              <a:rPr kumimoji="0" lang="en-US" altLang="en-US" sz="1600" b="1" i="0" u="none" strike="noStrike" cap="none" normalizeH="0" baseline="0" dirty="0">
+                <a:ln>
+                  <a:noFill/>
+                </a:ln>
+                <a:solidFill>
+                  <a:schemeClr val="tx1"/>
+                </a:solidFill>
+                <a:effectLst/>
+                <a:latin typeface="+mn-lt"/>
+              </a:rPr>
+              <a:t>Understand the Dataset</a:t>
+            </a:r>
+            <a:r>
+              <a:rPr kumimoji="0" lang="en-US" altLang="en-US" sz="1600" b="0" i="0" u="none" strike="noStrike" cap="none" normalizeH="0" baseline="0" dirty="0">
+                <a:ln>
+                  <a:noFill/>
+                </a:ln>
+                <a:solidFill>
+                  <a:schemeClr val="tx1"/>
+                </a:solidFill>
+                <a:effectLst/>
+                <a:latin typeface="+mn-lt"/>
+              </a:rPr>
+              <a:t>: Inspect the data structure, types, and initial statistics using .head() and .describe(). Check for missing values and data types.</a:t>
+            </a:r>
+          </a:p>
+          <a:p>
+            <a:pPr marL="273050" marR="0" lvl="0" indent="-273050" defTabSz="914400" rtl="0" eaLnBrk="0" fontAlgn="base" latinLnBrk="0" hangingPunct="0">
+              <a:lnSpc>
+                <a:spcPct val="150000"/>
+              </a:lnSpc>
+              <a:spcBef>
+                <a:spcPct val="0"/>
+              </a:spcBef>
+              <a:spcAft>
+                <a:spcPct val="0"/>
+              </a:spcAft>
+              <a:buClrTx/>
+              <a:buSzTx/>
+              <a:buFontTx/>
               <a:buChar char="•"/>
             </a:pPr>
             <a:r>
-              <a:rPr lang="en-US" dirty="0"/>
-              <a:t>Cleaning the datasets if necessary, looking for null values to prevent any error</a:t>
+              <a:rPr kumimoji="0" lang="en-US" altLang="en-US" sz="1600" b="1" i="0" u="none" strike="noStrike" cap="none" normalizeH="0" baseline="0" dirty="0">
+                <a:ln>
+                  <a:noFill/>
+                </a:ln>
+                <a:solidFill>
+                  <a:schemeClr val="tx1"/>
+                </a:solidFill>
+                <a:effectLst/>
+                <a:latin typeface="+mn-lt"/>
+              </a:rPr>
+              <a:t>Clean the Dataset</a:t>
+            </a:r>
+            <a:r>
+              <a:rPr kumimoji="0" lang="en-US" altLang="en-US" sz="1600" b="0" i="0" u="none" strike="noStrike" cap="none" normalizeH="0" baseline="0" dirty="0">
+                <a:ln>
+                  <a:noFill/>
+                </a:ln>
+                <a:solidFill>
+                  <a:schemeClr val="tx1"/>
+                </a:solidFill>
+                <a:effectLst/>
+                <a:latin typeface="+mn-lt"/>
+              </a:rPr>
+              <a:t>: Handle missing values by either imputing or dropping them.</a:t>
             </a:r>
             <a:br>
-              <a:rPr lang="en-US" dirty="0"/>
+              <a:rPr kumimoji="0" lang="en-US" altLang="en-US" sz="1600" b="0" i="0" u="none" strike="noStrike" cap="none" normalizeH="0" baseline="0" dirty="0">
+                <a:ln>
+                  <a:noFill/>
+                </a:ln>
+                <a:solidFill>
+                  <a:schemeClr val="tx1"/>
+                </a:solidFill>
+                <a:effectLst/>
+                <a:latin typeface="+mn-lt"/>
+              </a:rPr>
             </a:br>
-            <a:endParaRPr lang="en-US" dirty="0"/>
-          </a:p>
-          <a:p>
-            <a:pPr marL="342900" indent="-342900">
-              <a:buFont typeface="Arial" panose="020B0604020202020204" pitchFamily="34" charset="0"/>
+            <a:r>
+              <a:rPr kumimoji="0" lang="en-US" altLang="en-US" sz="1600" b="0" i="0" u="none" strike="noStrike" cap="none" normalizeH="0" baseline="0" dirty="0">
+                <a:ln>
+                  <a:noFill/>
+                </a:ln>
+                <a:solidFill>
+                  <a:schemeClr val="tx1"/>
+                </a:solidFill>
+                <a:effectLst/>
+                <a:latin typeface="+mn-lt"/>
+              </a:rPr>
+              <a:t>Remove duplicates. Correct data types as needed (e.g., converting categorical data to category type).</a:t>
+            </a:r>
+          </a:p>
+          <a:p>
+            <a:pPr marL="273050" marR="0" lvl="0" indent="-273050" defTabSz="914400" rtl="0" eaLnBrk="0" fontAlgn="base" latinLnBrk="0" hangingPunct="0">
+              <a:lnSpc>
+                <a:spcPct val="150000"/>
+              </a:lnSpc>
+              <a:spcBef>
+                <a:spcPct val="0"/>
+              </a:spcBef>
+              <a:spcAft>
+                <a:spcPct val="0"/>
+              </a:spcAft>
+              <a:buClrTx/>
+              <a:buSzTx/>
+              <a:buFontTx/>
               <a:buChar char="•"/>
             </a:pPr>
             <a:r>
-              <a:rPr lang="en-IN" dirty="0"/>
-              <a:t>Doing the EDA and visualisation of the data to help finding corelations</a:t>
-            </a:r>
-            <a:br>
-              <a:rPr lang="en-IN" dirty="0"/>
-            </a:br>
-            <a:endParaRPr lang="en-IN" dirty="0"/>
-          </a:p>
-          <a:p>
-            <a:pPr marL="342900" indent="-342900">
-              <a:buFont typeface="Arial" panose="020B0604020202020204" pitchFamily="34" charset="0"/>
+              <a:rPr kumimoji="0" lang="en-US" altLang="en-US" sz="1600" b="1" i="0" u="none" strike="noStrike" cap="none" normalizeH="0" baseline="0" dirty="0">
+                <a:ln>
+                  <a:noFill/>
+                </a:ln>
+                <a:solidFill>
+                  <a:schemeClr val="tx1"/>
+                </a:solidFill>
+                <a:effectLst/>
+                <a:latin typeface="+mn-lt"/>
+              </a:rPr>
+              <a:t>Exploratory Data Analysis (EDA)</a:t>
+            </a:r>
+            <a:r>
+              <a:rPr kumimoji="0" lang="en-US" altLang="en-US" sz="1600" b="0" i="0" u="none" strike="noStrike" cap="none" normalizeH="0" baseline="0" dirty="0">
+                <a:ln>
+                  <a:noFill/>
+                </a:ln>
+                <a:solidFill>
+                  <a:schemeClr val="tx1"/>
+                </a:solidFill>
+                <a:effectLst/>
+                <a:latin typeface="+mn-lt"/>
+              </a:rPr>
+              <a:t>: Visualize the data with histograms, box plots, and scatter plots. Analyze correlations using heatmaps and pair plots to identify relationships between features.</a:t>
+            </a:r>
+          </a:p>
+          <a:p>
+            <a:pPr marL="273050" marR="0" lvl="0" indent="-273050" defTabSz="914400" rtl="0" eaLnBrk="0" fontAlgn="base" latinLnBrk="0" hangingPunct="0">
+              <a:lnSpc>
+                <a:spcPct val="150000"/>
+              </a:lnSpc>
+              <a:spcBef>
+                <a:spcPct val="0"/>
+              </a:spcBef>
+              <a:spcAft>
+                <a:spcPct val="0"/>
+              </a:spcAft>
+              <a:buClrTx/>
+              <a:buSzTx/>
+              <a:buFontTx/>
               <a:buChar char="•"/>
             </a:pPr>
             <a:r>
-              <a:rPr lang="en-IN" dirty="0"/>
-              <a:t>Go for the machine learning and train the machine with the help of the data provided</a:t>
-            </a:r>
-            <a:br>
-              <a:rPr lang="en-IN" dirty="0"/>
-            </a:br>
-            <a:endParaRPr lang="en-IN" dirty="0"/>
-          </a:p>
-          <a:p>
-            <a:pPr marL="342900" indent="-342900">
-              <a:buFont typeface="Arial" panose="020B0604020202020204" pitchFamily="34" charset="0"/>
+              <a:rPr kumimoji="0" lang="en-US" altLang="en-US" sz="1600" b="1" i="0" u="none" strike="noStrike" cap="none" normalizeH="0" baseline="0" dirty="0">
+                <a:ln>
+                  <a:noFill/>
+                </a:ln>
+                <a:solidFill>
+                  <a:schemeClr val="tx1"/>
+                </a:solidFill>
+                <a:effectLst/>
+                <a:latin typeface="+mn-lt"/>
+              </a:rPr>
+              <a:t>Model Building</a:t>
+            </a:r>
+            <a:r>
+              <a:rPr kumimoji="0" lang="en-US" altLang="en-US" sz="1600" b="0" i="0" u="none" strike="noStrike" cap="none" normalizeH="0" baseline="0" dirty="0">
+                <a:ln>
+                  <a:noFill/>
+                </a:ln>
+                <a:solidFill>
+                  <a:schemeClr val="tx1"/>
+                </a:solidFill>
+                <a:effectLst/>
+                <a:latin typeface="+mn-lt"/>
+              </a:rPr>
+              <a:t>: Split data into training and testing sets using </a:t>
+            </a:r>
+            <a:r>
+              <a:rPr kumimoji="0" lang="en-US" altLang="en-US" sz="1600" b="0" i="0" u="none" strike="noStrike" cap="none" normalizeH="0" baseline="0" dirty="0" err="1">
+                <a:ln>
+                  <a:noFill/>
+                </a:ln>
+                <a:solidFill>
+                  <a:schemeClr val="tx1"/>
+                </a:solidFill>
+                <a:effectLst/>
+                <a:latin typeface="+mn-lt"/>
+              </a:rPr>
+              <a:t>train_test_split</a:t>
+            </a:r>
+            <a:r>
+              <a:rPr kumimoji="0" lang="en-US" altLang="en-US" sz="1600" b="0" i="0" u="none" strike="noStrike" cap="none" normalizeH="0" baseline="0" dirty="0">
+                <a:ln>
+                  <a:noFill/>
+                </a:ln>
+                <a:solidFill>
+                  <a:schemeClr val="tx1"/>
+                </a:solidFill>
+                <a:effectLst/>
+                <a:latin typeface="+mn-lt"/>
+              </a:rPr>
+              <a:t>(). Choose an appropriate machine learning model (e.g., Linear Regression, Random Forest) and train it on the training data.</a:t>
+            </a:r>
+          </a:p>
+          <a:p>
+            <a:pPr marL="273050" marR="0" lvl="0" indent="-273050" defTabSz="914400" rtl="0" eaLnBrk="0" fontAlgn="base" latinLnBrk="0" hangingPunct="0">
+              <a:lnSpc>
+                <a:spcPct val="150000"/>
+              </a:lnSpc>
+              <a:spcBef>
+                <a:spcPct val="0"/>
+              </a:spcBef>
+              <a:spcAft>
+                <a:spcPct val="0"/>
+              </a:spcAft>
+              <a:buClrTx/>
+              <a:buSzTx/>
+              <a:buFontTx/>
               <a:buChar char="•"/>
             </a:pPr>
             <a:r>
-              <a:rPr lang="en-IN" dirty="0"/>
-              <a:t>Go for the evaluation of the values to check how much the predicted result by the machine is close to the actual value</a:t>
-            </a:r>
+              <a:rPr kumimoji="0" lang="en-US" altLang="en-US" sz="1600" b="1" i="0" u="none" strike="noStrike" cap="none" normalizeH="0" baseline="0" dirty="0">
+                <a:ln>
+                  <a:noFill/>
+                </a:ln>
+                <a:solidFill>
+                  <a:schemeClr val="tx1"/>
+                </a:solidFill>
+                <a:effectLst/>
+                <a:latin typeface="+mn-lt"/>
+              </a:rPr>
+              <a:t>Model Evaluation</a:t>
+            </a:r>
+            <a:r>
+              <a:rPr kumimoji="0" lang="en-US" altLang="en-US" sz="1600" b="0" i="0" u="none" strike="noStrike" cap="none" normalizeH="0" baseline="0" dirty="0">
+                <a:ln>
+                  <a:noFill/>
+                </a:ln>
+                <a:solidFill>
+                  <a:schemeClr val="tx1"/>
+                </a:solidFill>
+                <a:effectLst/>
+                <a:latin typeface="+mn-lt"/>
+              </a:rPr>
+              <a:t>: Make predictions on the test set. Evaluate model performance using metrics like MAE, MSE, or R-squared for regression, or accuracy/F1-score for classification.</a:t>
+            </a:r>
+          </a:p>
+          <a:p>
+            <a:pPr marL="0" marR="0" lvl="0" indent="0" defTabSz="914400" rtl="0" eaLnBrk="0" fontAlgn="base" latinLnBrk="0" hangingPunct="0">
+              <a:lnSpc>
+                <a:spcPct val="100000"/>
+              </a:lnSpc>
+              <a:spcBef>
+                <a:spcPct val="0"/>
+              </a:spcBef>
+              <a:spcAft>
+                <a:spcPct val="0"/>
+              </a:spcAft>
+              <a:buClrTx/>
+              <a:buSzTx/>
+              <a:buFontTx/>
+              <a:buNone/>
+              <a:tabLst/>
+            </a:pPr>
+            <a:endParaRPr kumimoji="0" lang="en-US" altLang="en-US" sz="1800" b="0" i="0" u="none" strike="noStrike" cap="none" normalizeH="0" baseline="0" dirty="0">
+              <a:ln>
+                <a:noFill/>
+              </a:ln>
+              <a:solidFill>
+                <a:schemeClr val="tx1"/>
+              </a:solidFill>
+              <a:effectLst/>
+              <a:latin typeface="Arial" panose="020B0604020202020204" pitchFamily="34" charset="0"/>
+            </a:endParaRPr>
           </a:p>
         </p:txBody>
       </p:sp>
@@ -2686,7 +2978,7 @@
         <p:spPr>
           <a:xfrm>
             <a:off x="373224" y="1772816"/>
-            <a:ext cx="8957388" cy="2678234"/>
+            <a:ext cx="11348606" cy="3001334"/>
           </a:xfrm>
           <a:prstGeom prst="rect">
             <a:avLst/>
@@ -2699,17 +2991,16 @@
           </a:bodyPr>
           <a:lstStyle/>
           <a:p>
-            <a:r>
-              <a:rPr lang="en-US" dirty="0"/>
-              <a:t>Solar Power being a renewable and clean source of energy is at a high demand to replace the conventional methods of power generation, but the generation of solar depends on many environmental factors like the height above sea level, amount of sunlight, cloud cover, amount of rainfall, amount of snowfall and many more making the amount of power generated inconsistent and inefficient. So, it is important to find out the place where the solar power can be generated efficiently.</a:t>
-            </a:r>
-          </a:p>
-          <a:p>
-            <a:r>
-              <a:rPr lang="en-US" dirty="0"/>
-              <a:t>The aim of this project is to find out the amount of energy generated using historical data collected from a particular region and using them to predict the amount of energy that can be generated from the region.</a:t>
-            </a:r>
-            <a:endParaRPr lang="en-IN" dirty="0"/>
+            <a:pPr algn="just">
+              <a:lnSpc>
+                <a:spcPct val="150000"/>
+              </a:lnSpc>
+            </a:pPr>
+            <a:r>
+              <a:rPr lang="en-US" sz="1600" dirty="0"/>
+              <a:t>As renewable energy sources like solar power become increasingly vital for sustainable energy production, accurate forecasting of solar power generation is essential for optimizing energy grid management, resource allocation, and consumption. Traditional methods of prediction are often limited by external factors such as weather patterns, geographical location, and time of day. The challenge lies in developing a model that can reliably predict solar power generation based on historical data. This project aims to predict solar power generation using a linear regression model. The goal is to minimize the prediction error and achieve high accuracy in forecasting solar power output, as measured by the Mean Absolute Error (MAE). Accurate predictions can help energy providers plan for fluctuating energy demands, ensure efficient grid management, and reduce reliance on non-renewable energy sources.</a:t>
+            </a:r>
+            <a:endParaRPr lang="en-IN" sz="1600" dirty="0"/>
           </a:p>
         </p:txBody>
       </p:sp>
@@ -3131,7 +3422,7 @@
         <p:spPr>
           <a:xfrm>
             <a:off x="255104" y="1614554"/>
-            <a:ext cx="9355824" cy="3088538"/>
+            <a:ext cx="9355824" cy="4540987"/>
           </a:xfrm>
           <a:prstGeom prst="rect">
             <a:avLst/>
@@ -3145,6 +3436,9 @@
           <a:lstStyle/>
           <a:p>
             <a:pPr marL="360363" lvl="3" indent="-360363">
+              <a:lnSpc>
+                <a:spcPct val="150000"/>
+              </a:lnSpc>
               <a:buFont typeface="Arial" panose="020B0604020202020204" pitchFamily="34" charset="0"/>
               <a:buChar char="•"/>
             </a:pPr>
@@ -3212,7 +3506,7 @@
         </p:blipFill>
         <p:spPr>
           <a:xfrm>
-            <a:off x="688435" y="2526861"/>
+            <a:off x="546876" y="3285754"/>
             <a:ext cx="4068391" cy="1957591"/>
           </a:xfrm>
           <a:prstGeom prst="rect">
@@ -3242,7 +3536,7 @@
         </p:blipFill>
         <p:spPr>
           <a:xfrm>
-            <a:off x="4933016" y="2503893"/>
+            <a:off x="4907039" y="3235662"/>
             <a:ext cx="4145908" cy="781861"/>
           </a:xfrm>
           <a:prstGeom prst="rect">
@@ -3272,7 +3566,7 @@
         </p:blipFill>
         <p:spPr>
           <a:xfrm>
-            <a:off x="4933016" y="3365770"/>
+            <a:off x="4907039" y="4017523"/>
             <a:ext cx="2631838" cy="1134286"/>
           </a:xfrm>
           <a:prstGeom prst="rect">
